--- a/doc/团贷网事件时间表.pptx
+++ b/doc/团贷网事件时间表.pptx
@@ -6,7 +6,6 @@
   </p:sldMasterIdLst>
   <p:sldIdLst>
     <p:sldId id="256" r:id="rId2"/>
-    <p:sldId id="257" r:id="rId3"/>
   </p:sldIdLst>
   <p:sldSz cx="10080625" cy="7040563"/>
   <p:notesSz cx="7559675" cy="10691813"/>
@@ -105,6 +104,11 @@
       </a:defRPr>
     </a:lvl9pPr>
   </p:defaultTextStyle>
+  <p:extLst>
+    <p:ext uri="{EFAFB233-063F-42B5-8137-9DF3F51BA10A}">
+      <p15:sldGuideLst xmlns:p15="http://schemas.microsoft.com/office/powerpoint/2012/main"/>
+    </p:ext>
+  </p:extLst>
 </p:presentation>
 </file>
 
@@ -2355,8 +2359,8 @@
         </p:nvSpPr>
         <p:spPr>
           <a:xfrm>
-            <a:off x="623736" y="1231311"/>
-            <a:ext cx="3108271" cy="5670334"/>
+            <a:off x="0" y="1231311"/>
+            <a:ext cx="3732007" cy="5578001"/>
           </a:xfrm>
           <a:prstGeom prst="rect">
             <a:avLst/>
@@ -2367,7 +2371,7 @@
           </a:ln>
         </p:spPr>
         <p:txBody>
-          <a:bodyPr lIns="78930" tIns="39465" rIns="78930" bIns="39465">
+          <a:bodyPr wrap="square" lIns="78930" tIns="39465" rIns="78930" bIns="39465">
             <a:spAutoFit/>
           </a:bodyPr>
           <a:lstStyle/>
@@ -2419,10 +2423,8 @@
           <a:p>
             <a:pPr algn="r"/>
             <a:r>
-              <a:rPr lang="en-US" sz="1228" spc="-1" dirty="0">
-                <a:latin typeface="Arial"/>
-              </a:rPr>
-              <a:t>有99%股权万和剥离团贷网</a:t>
+              <a:rPr lang="zh-CN" altLang="en-US" sz="1228" spc="-1" dirty="0"/>
+              <a:t>万和集团剥离团贷网</a:t>
             </a:r>
             <a:br>
               <a:rPr lang="en-US" sz="1228" spc="-1" dirty="0">
@@ -2430,10 +2432,16 @@
               </a:rPr>
             </a:br>
             <a:r>
-              <a:rPr lang="en-US" sz="789" spc="-1" dirty="0" err="1">
-                <a:latin typeface="Arial"/>
-              </a:rPr>
-              <a:t>违规转让全部团贷网股权</a:t>
+              <a:rPr lang="zh-CN" altLang="en-US" sz="789" spc="-1" dirty="0"/>
+              <a:t>拥有</a:t>
+            </a:r>
+            <a:r>
+              <a:rPr lang="en-US" altLang="zh-CN" sz="789" spc="-1" dirty="0"/>
+              <a:t>99%</a:t>
+            </a:r>
+            <a:r>
+              <a:rPr lang="zh-CN" altLang="en-US" sz="789" spc="-1" dirty="0"/>
+              <a:t>股权的万和集团违规转让全部团贷网股权</a:t>
             </a:r>
             <a:endParaRPr lang="en-US" sz="789" spc="-1" dirty="0">
               <a:latin typeface="Arial"/>
@@ -2481,6 +2489,10 @@
           <a:p>
             <a:pPr algn="r"/>
             <a:r>
+              <a:rPr lang="zh-CN" altLang="en-US" sz="1228" spc="-1" dirty="0"/>
+              <a:t>荣获</a:t>
+            </a:r>
+            <a:r>
               <a:rPr lang="en-US" sz="1228" spc="-1" dirty="0">
                 <a:latin typeface="Arial"/>
               </a:rPr>
@@ -2508,10 +2520,16 @@
           <a:p>
             <a:pPr algn="r"/>
             <a:r>
-              <a:rPr lang="en-US" sz="1228" spc="-1" dirty="0">
-                <a:latin typeface="Arial"/>
-              </a:rPr>
-              <a:t>质押股权40亿</a:t>
+              <a:rPr lang="zh-CN" altLang="en-US" sz="1228" spc="-1" dirty="0"/>
+              <a:t>唐军质押股权</a:t>
+            </a:r>
+            <a:r>
+              <a:rPr lang="en-US" altLang="zh-CN" sz="1228" spc="-1" dirty="0"/>
+              <a:t>40</a:t>
+            </a:r>
+            <a:r>
+              <a:rPr lang="zh-CN" altLang="en-US" sz="1228" spc="-1" dirty="0"/>
+              <a:t>亿</a:t>
             </a:r>
             <a:br>
               <a:rPr lang="en-US" sz="1228" spc="-1" dirty="0">
@@ -2573,48 +2591,24 @@
               </a:rPr>
             </a:br>
             <a:r>
-              <a:rPr lang="en-US" sz="789" spc="-1" dirty="0">
-                <a:latin typeface="Arial"/>
-              </a:rPr>
-              <a:t>团贷网被立案的前1日即2019年3月26日仍完成了一笔付款交割</a:t>
-            </a:r>
-          </a:p>
-          <a:p>
-            <a:pPr algn="r"/>
-            <a:r>
-              <a:rPr lang="en-US" sz="600" spc="-1" dirty="0"/>
-              <a:t> </a:t>
-            </a:r>
-          </a:p>
-          <a:p>
-            <a:pPr algn="r"/>
-            <a:r>
-              <a:rPr lang="en-US" sz="1228" spc="-1" dirty="0" err="1">
-                <a:latin typeface="Arial"/>
-              </a:rPr>
-              <a:t>东莞政府</a:t>
-            </a:r>
-            <a:br>
-              <a:rPr lang="en-US" sz="1228" spc="-1" dirty="0">
-                <a:latin typeface="Arial"/>
-              </a:rPr>
-            </a:br>
-            <a:r>
-              <a:rPr lang="en-US" sz="789" spc="-1" dirty="0" err="1">
-                <a:latin typeface="Arial"/>
-              </a:rPr>
-              <a:t>强行定义为“涉嫌非法吸收公众存款”关闭原还款通道</a:t>
-            </a:r>
-            <a:br>
-              <a:rPr lang="en-US" sz="789" spc="-1" dirty="0">
-                <a:latin typeface="Arial"/>
-              </a:rPr>
-            </a:br>
-            <a:r>
-              <a:rPr lang="en-US" sz="789" spc="-1" dirty="0" err="1">
-                <a:latin typeface="Arial"/>
-              </a:rPr>
-              <a:t>建立统一账号，无视借款合同，实行硬着陆</a:t>
+              <a:rPr lang="zh-CN" altLang="en-US" sz="789" spc="-1" dirty="0"/>
+              <a:t>团贷网被立案的前</a:t>
+            </a:r>
+            <a:r>
+              <a:rPr lang="en-US" altLang="zh-CN" sz="789" spc="-1" dirty="0"/>
+              <a:t>1</a:t>
+            </a:r>
+            <a:r>
+              <a:rPr lang="zh-CN" altLang="en-US" sz="789" spc="-1" dirty="0"/>
+              <a:t>日（</a:t>
+            </a:r>
+            <a:r>
+              <a:rPr lang="en-US" altLang="zh-CN" sz="789" spc="-1" dirty="0"/>
+              <a:t>19.3.26</a:t>
+            </a:r>
+            <a:r>
+              <a:rPr lang="zh-CN" altLang="en-US" sz="789" spc="-1" dirty="0"/>
+              <a:t>）仍完成了一笔巨额交割</a:t>
             </a:r>
             <a:endParaRPr lang="en-US" sz="789" spc="-1" dirty="0">
               <a:latin typeface="Arial"/>
@@ -2633,7 +2627,7 @@
               <a:rPr lang="en-US" sz="1228" spc="-1" dirty="0" err="1">
                 <a:latin typeface="Arial"/>
               </a:rPr>
-              <a:t>东莞政府诱导报案</a:t>
+              <a:t>东莞政府</a:t>
             </a:r>
             <a:br>
               <a:rPr lang="en-US" sz="1228" spc="-1" dirty="0">
@@ -2641,10 +2635,23 @@
               </a:rPr>
             </a:br>
             <a:r>
-              <a:rPr lang="en-US" sz="789" spc="-1" dirty="0" err="1">
-                <a:latin typeface="Arial"/>
-              </a:rPr>
-              <a:t>为把团贷网坐实，通过电话等催促借款人报案</a:t>
+              <a:rPr lang="zh-CN" altLang="en-US" sz="789" spc="-1" dirty="0"/>
+              <a:t>定性团贷网“涉嫌非法吸收公众存款” </a:t>
+            </a:r>
+          </a:p>
+          <a:p>
+            <a:pPr algn="r"/>
+            <a:r>
+              <a:rPr lang="zh-CN" altLang="en-US" sz="789" spc="-1" dirty="0"/>
+              <a:t>无视借款合同关闭原还款通道</a:t>
+            </a:r>
+            <a:r>
+              <a:rPr lang="en-US" altLang="zh-CN" sz="789" spc="-1" dirty="0"/>
+              <a:t>,</a:t>
+            </a:r>
+            <a:r>
+              <a:rPr lang="zh-CN" altLang="en-US" sz="789" spc="-1" dirty="0"/>
+              <a:t>不给按良性清盘处置强行硬着陆</a:t>
             </a:r>
             <a:endParaRPr lang="en-US" sz="789" spc="-1" dirty="0">
               <a:latin typeface="Arial"/>
@@ -2663,7 +2670,7 @@
               <a:rPr lang="en-US" sz="1228" spc="-1" dirty="0" err="1">
                 <a:latin typeface="Arial"/>
               </a:rPr>
-              <a:t>派生科技猛跌</a:t>
+              <a:t>东莞政府</a:t>
             </a:r>
             <a:br>
               <a:rPr lang="en-US" sz="1228" spc="-1" dirty="0">
@@ -2671,59 +2678,8 @@
               </a:rPr>
             </a:br>
             <a:r>
-              <a:rPr lang="en-US" sz="789" spc="-1" dirty="0">
-                <a:latin typeface="Arial"/>
-              </a:rPr>
-              <a:t>3.28日期停牌，4.1神速复盘连续跌停10多天</a:t>
-            </a:r>
-            <a:br>
-              <a:rPr lang="en-US" sz="789" spc="-1" dirty="0">
-                <a:latin typeface="Arial"/>
-              </a:rPr>
-            </a:br>
-            <a:r>
-              <a:rPr lang="en-US" sz="789" spc="-1" dirty="0">
-                <a:latin typeface="Arial"/>
-              </a:rPr>
-              <a:t>（仅停牌2天，直接换掉法人）</a:t>
-            </a:r>
-          </a:p>
-          <a:p>
-            <a:pPr algn="r"/>
-            <a:r>
-              <a:rPr lang="en-US" sz="600" spc="-1" dirty="0"/>
-              <a:t> </a:t>
-            </a:r>
-          </a:p>
-          <a:p>
-            <a:pPr algn="r"/>
-            <a:r>
-              <a:rPr lang="en-US" sz="1228" spc="-1" dirty="0" err="1">
-                <a:latin typeface="Arial"/>
-              </a:rPr>
-              <a:t>东莞政府</a:t>
-            </a:r>
-            <a:br>
-              <a:rPr lang="en-US" sz="1228" spc="-1" dirty="0">
-                <a:latin typeface="Arial"/>
-              </a:rPr>
-            </a:br>
-            <a:r>
-              <a:rPr lang="en-US" sz="789" spc="-1" dirty="0">
-                <a:latin typeface="Arial"/>
-              </a:rPr>
-              <a:t>东莞出动7000警力维稳，车站高铁地铁各种截访</a:t>
-            </a:r>
-            <a:br>
-              <a:rPr lang="en-US" sz="789" spc="-1" dirty="0">
-                <a:latin typeface="Arial"/>
-              </a:rPr>
-            </a:br>
-            <a:r>
-              <a:rPr lang="en-US" sz="789" spc="-1" dirty="0" err="1">
-                <a:latin typeface="Arial"/>
-              </a:rPr>
-              <a:t>查身份证是团贷网出借人直接带走</a:t>
+              <a:rPr lang="zh-CN" altLang="en-US" sz="789" spc="-1" dirty="0"/>
+              <a:t>引导和要求出借人报案</a:t>
             </a:r>
             <a:endParaRPr lang="en-US" sz="789" spc="-1" dirty="0">
               <a:latin typeface="Arial"/>
@@ -2739,10 +2695,8 @@
           <a:p>
             <a:pPr algn="r"/>
             <a:r>
-              <a:rPr lang="en-US" sz="1228" spc="-1" dirty="0" err="1">
-                <a:latin typeface="Arial"/>
-              </a:rPr>
-              <a:t>广东政府</a:t>
+              <a:rPr lang="zh-CN" altLang="en-US" sz="1228" spc="-1" dirty="0"/>
+              <a:t>派生科技开始了断崖式下跌</a:t>
             </a:r>
             <a:br>
               <a:rPr lang="en-US" sz="1228" spc="-1" dirty="0">
@@ -2750,10 +2704,28 @@
               </a:rPr>
             </a:br>
             <a:r>
-              <a:rPr lang="en-US" sz="789" spc="-1" dirty="0" err="1">
-                <a:latin typeface="Arial"/>
-              </a:rPr>
-              <a:t>广东省政府出动大批防暴警察和警车，千名上访递交诉求书的难友</a:t>
+              <a:rPr lang="en-US" altLang="zh-CN" sz="789" spc="-1" dirty="0"/>
+              <a:t>3.28</a:t>
+            </a:r>
+            <a:r>
+              <a:rPr lang="zh-CN" altLang="en-US" sz="789" spc="-1" dirty="0"/>
+              <a:t>日停牌，换掉法人，仅停牌</a:t>
+            </a:r>
+            <a:r>
+              <a:rPr lang="en-US" altLang="zh-CN" sz="789" spc="-1" dirty="0"/>
+              <a:t>2</a:t>
+            </a:r>
+            <a:r>
+              <a:rPr lang="zh-CN" altLang="en-US" sz="789" spc="-1" dirty="0"/>
+              <a:t>天后复盘，连续跌停</a:t>
+            </a:r>
+            <a:r>
+              <a:rPr lang="en-US" altLang="zh-CN" sz="789" spc="-1" dirty="0"/>
+              <a:t>10</a:t>
+            </a:r>
+            <a:r>
+              <a:rPr lang="zh-CN" altLang="en-US" sz="789" spc="-1" dirty="0"/>
+              <a:t>多天</a:t>
             </a:r>
             <a:br>
               <a:rPr lang="en-US" sz="789" spc="-1" dirty="0">
@@ -2761,10 +2733,85 @@
               </a:rPr>
             </a:br>
             <a:r>
-              <a:rPr lang="en-US" sz="789" spc="-1" dirty="0" err="1">
-                <a:latin typeface="Arial"/>
-              </a:rPr>
-              <a:t>被武力驱散，数人被关押，其中一人当场服药自杀</a:t>
+              <a:rPr lang="en-US" sz="789" spc="-1" dirty="0">
+                <a:latin typeface="Arial"/>
+              </a:rPr>
+              <a:t>（仅停牌2天，直接换掉法人）</a:t>
+            </a:r>
+          </a:p>
+          <a:p>
+            <a:pPr algn="r"/>
+            <a:r>
+              <a:rPr lang="en-US" sz="600" spc="-1" dirty="0"/>
+              <a:t> </a:t>
+            </a:r>
+          </a:p>
+          <a:p>
+            <a:pPr algn="r"/>
+            <a:r>
+              <a:rPr lang="en-US" sz="1228" spc="-1" dirty="0" err="1">
+                <a:latin typeface="Arial"/>
+              </a:rPr>
+              <a:t>东莞政府</a:t>
+            </a:r>
+            <a:br>
+              <a:rPr lang="en-US" sz="1228" spc="-1" dirty="0">
+                <a:latin typeface="Arial"/>
+              </a:rPr>
+            </a:br>
+            <a:r>
+              <a:rPr lang="zh-CN" altLang="en-US" sz="789" spc="-1" dirty="0"/>
+              <a:t>出动</a:t>
+            </a:r>
+            <a:r>
+              <a:rPr lang="en-US" altLang="zh-CN" sz="789" spc="-1" dirty="0"/>
+              <a:t>7000</a:t>
+            </a:r>
+            <a:r>
+              <a:rPr lang="zh-CN" altLang="en-US" sz="789" spc="-1" dirty="0"/>
+              <a:t>警力维稳，在交通要道等公共场所查验身份证</a:t>
+            </a:r>
+          </a:p>
+          <a:p>
+            <a:pPr algn="r"/>
+            <a:r>
+              <a:rPr lang="zh-CN" altLang="en-US" sz="789" spc="-1" dirty="0"/>
+              <a:t>对上访维权百姓实施各种暴力阻截</a:t>
+            </a:r>
+            <a:endParaRPr lang="en-US" sz="789" spc="-1" dirty="0">
+              <a:latin typeface="Arial"/>
+            </a:endParaRPr>
+          </a:p>
+          <a:p>
+            <a:pPr algn="r"/>
+            <a:r>
+              <a:rPr lang="en-US" sz="600" spc="-1" dirty="0"/>
+              <a:t> </a:t>
+            </a:r>
+          </a:p>
+          <a:p>
+            <a:pPr algn="r"/>
+            <a:r>
+              <a:rPr lang="en-US" sz="1228" spc="-1" dirty="0" err="1">
+                <a:latin typeface="Arial"/>
+              </a:rPr>
+              <a:t>广东政府</a:t>
+            </a:r>
+            <a:br>
+              <a:rPr lang="en-US" sz="1228" spc="-1" dirty="0">
+                <a:latin typeface="Arial"/>
+              </a:rPr>
+            </a:br>
+            <a:r>
+              <a:rPr lang="zh-CN" altLang="en-US" sz="789" spc="-1" dirty="0"/>
+              <a:t>出动大批防暴警察和警车，在交通要道等公共场所查验身份证，拦截上访</a:t>
+            </a:r>
+          </a:p>
+          <a:p>
+            <a:pPr algn="r"/>
+            <a:r>
+              <a:rPr lang="zh-CN" altLang="en-US" sz="789" spc="-1" dirty="0"/>
+              <a:t>上千名上访维权百姓被武力驱散，数人被关押，其中一人当场服药自杀</a:t>
             </a:r>
             <a:endParaRPr lang="en-US" sz="789" spc="-1" dirty="0">
               <a:latin typeface="Arial"/>
@@ -2849,7 +2896,7 @@
         <p:spPr>
           <a:xfrm>
             <a:off x="6369539" y="2370117"/>
-            <a:ext cx="2825701" cy="4369786"/>
+            <a:ext cx="3711086" cy="4491229"/>
           </a:xfrm>
           <a:prstGeom prst="rect">
             <a:avLst/>
@@ -2860,7 +2907,7 @@
           </a:ln>
         </p:spPr>
         <p:txBody>
-          <a:bodyPr lIns="78930" tIns="39465" rIns="78930" bIns="39465">
+          <a:bodyPr wrap="square" lIns="78930" tIns="39465" rIns="78930" bIns="39465">
             <a:spAutoFit/>
           </a:bodyPr>
           <a:lstStyle/>
@@ -2887,10 +2934,8 @@
               </a:lnSpc>
             </a:pPr>
             <a:r>
-              <a:rPr lang="en-US" sz="789" spc="-1" dirty="0" err="1">
-                <a:latin typeface="Arial"/>
-              </a:rPr>
-              <a:t>三月份标的集中提前还款，为腐败分子提前下车套现</a:t>
+              <a:rPr lang="zh-CN" altLang="en-US" sz="789" spc="-1" dirty="0"/>
+              <a:t>大批标的集中提前下车，还款套现</a:t>
             </a:r>
             <a:endParaRPr lang="en-US" sz="789" spc="-1" dirty="0">
               <a:latin typeface="Arial"/>
@@ -2932,9 +2977,7 @@
               </a:lnSpc>
             </a:pPr>
             <a:r>
-              <a:rPr lang="en-US" sz="789" spc="-1" dirty="0" err="1">
-                <a:latin typeface="Arial"/>
-              </a:rPr>
+              <a:rPr lang="zh-CN" altLang="en-US" sz="789" spc="-1" dirty="0"/>
               <a:t>红岭创投老周直播爆料团贷网内幕</a:t>
             </a:r>
             <a:endParaRPr lang="en-US" sz="789" spc="-1" dirty="0">
@@ -3288,11 +3331,30 @@
           </a:p>
           <a:p>
             <a:r>
-              <a:rPr lang="en-US" sz="789" spc="-1" dirty="0">
-                <a:latin typeface="Arial"/>
-              </a:rPr>
-              <a:t>苦等公告一个月，公告12里只字未提涉案相关方和万和集团</a:t>
-            </a:r>
+              <a:rPr lang="zh-CN" altLang="en-US" sz="789" spc="-1" dirty="0"/>
+              <a:t>苦等公告两个月，所有公告未公布代收金额和任何“非吸”证据</a:t>
+            </a:r>
+            <a:r>
+              <a:rPr lang="en-US" altLang="zh-CN" sz="789" spc="-1" dirty="0"/>
+              <a:t>;</a:t>
+            </a:r>
+          </a:p>
+          <a:p>
+            <a:r>
+              <a:rPr lang="zh-CN" altLang="en-US" sz="789" spc="-1" dirty="0"/>
+              <a:t>只字未提涉案相关方，只在</a:t>
+            </a:r>
+            <a:r>
+              <a:rPr lang="en-US" altLang="zh-CN" sz="789" spc="-1" dirty="0"/>
+              <a:t>6.1</a:t>
+            </a:r>
+            <a:r>
+              <a:rPr lang="zh-CN" altLang="en-US" sz="789" spc="-1" dirty="0"/>
+              <a:t>暴力截访后公告变更“出借人”身份为“利益相关人”</a:t>
+            </a:r>
+            <a:endParaRPr lang="en-US" sz="789" spc="-1" dirty="0">
+              <a:latin typeface="Arial"/>
+            </a:endParaRPr>
           </a:p>
           <a:p>
             <a:endParaRPr lang="en-US" sz="789" spc="-1" dirty="0">
@@ -5483,7 +5545,7 @@
                     <a:srgbClr val="FF3838"/>
                   </a:solidFill>
                 </a:rPr>
-                <a:t>21</a:t>
+                <a:t>20</a:t>
               </a:r>
               <a:r>
                 <a:rPr lang="zh-CN" altLang="en-US" sz="921" spc="-1" dirty="0">
@@ -7770,96 +7832,6 @@
         </p:sp>
       </p:grpSp>
     </p:spTree>
-  </p:cSld>
-  <p:clrMapOvr>
-    <a:masterClrMapping/>
-  </p:clrMapOvr>
-</p:sld>
-</file>
-
-<file path=ppt/slides/slide2.xml><?xml version="1.0" encoding="utf-8"?>
-<p:sld xmlns:a="http://schemas.openxmlformats.org/drawingml/2006/main" xmlns:r="http://schemas.openxmlformats.org/officeDocument/2006/relationships" xmlns:p="http://schemas.openxmlformats.org/presentationml/2006/main">
-  <p:cSld>
-    <p:spTree>
-      <p:nvGrpSpPr>
-        <p:cNvPr id="1" name=""/>
-        <p:cNvGrpSpPr/>
-        <p:nvPr/>
-      </p:nvGrpSpPr>
-      <p:grpSpPr>
-        <a:xfrm>
-          <a:off x="0" y="0"/>
-          <a:ext cx="0" cy="0"/>
-          <a:chOff x="0" y="0"/>
-          <a:chExt cx="0" cy="0"/>
-        </a:xfrm>
-      </p:grpSpPr>
-      <p:sp>
-        <p:nvSpPr>
-          <p:cNvPr id="5" name="Subtitle 4">
-            <a:extLst>
-              <a:ext uri="{FF2B5EF4-FFF2-40B4-BE49-F238E27FC236}">
-                <a16:creationId xmlns:a16="http://schemas.microsoft.com/office/drawing/2014/main" id="{8037CA9A-78E6-4E8E-84CB-1A4CD8445987}"/>
-              </a:ext>
-            </a:extLst>
-          </p:cNvPr>
-          <p:cNvSpPr>
-            <a:spLocks noGrp="1"/>
-          </p:cNvSpPr>
-          <p:nvPr>
-            <p:ph type="subTitle"/>
-          </p:nvPr>
-        </p:nvSpPr>
-        <p:spPr>
-          <a:xfrm>
-            <a:off x="1061957" y="3497125"/>
-            <a:ext cx="7955848" cy="340100"/>
-          </a:xfrm>
-        </p:spPr>
-        <p:txBody>
-          <a:bodyPr/>
-          <a:lstStyle/>
-          <a:p>
-            <a:endParaRPr lang="en-US"/>
-          </a:p>
-        </p:txBody>
-      </p:sp>
-      <p:sp>
-        <p:nvSpPr>
-          <p:cNvPr id="4" name="Title 3">
-            <a:extLst>
-              <a:ext uri="{FF2B5EF4-FFF2-40B4-BE49-F238E27FC236}">
-                <a16:creationId xmlns:a16="http://schemas.microsoft.com/office/drawing/2014/main" id="{144EE3BA-6FB2-4125-801C-20C5E002EEE9}"/>
-              </a:ext>
-            </a:extLst>
-          </p:cNvPr>
-          <p:cNvSpPr>
-            <a:spLocks noGrp="1"/>
-          </p:cNvSpPr>
-          <p:nvPr>
-            <p:ph type="title"/>
-          </p:nvPr>
-        </p:nvSpPr>
-        <p:spPr>
-          <a:xfrm>
-            <a:off x="1061957" y="926515"/>
-            <a:ext cx="7955848" cy="534443"/>
-          </a:xfrm>
-        </p:spPr>
-        <p:txBody>
-          <a:bodyPr/>
-          <a:lstStyle/>
-          <a:p>
-            <a:endParaRPr lang="en-US"/>
-          </a:p>
-        </p:txBody>
-      </p:sp>
-    </p:spTree>
-    <p:extLst>
-      <p:ext uri="{BB962C8B-B14F-4D97-AF65-F5344CB8AC3E}">
-        <p14:creationId xmlns:p14="http://schemas.microsoft.com/office/powerpoint/2010/main" val="1276245916"/>
-      </p:ext>
-    </p:extLst>
   </p:cSld>
   <p:clrMapOvr>
     <a:masterClrMapping/>

--- a/doc/团贷网事件时间表.pptx
+++ b/doc/团贷网事件时间表.pptx
@@ -4847,8 +4847,8 @@
         </p:nvSpPr>
         <p:spPr>
           <a:xfrm>
-            <a:off x="5227598" y="1032581"/>
-            <a:ext cx="617550" cy="1024511"/>
+            <a:off x="5178170" y="1114961"/>
+            <a:ext cx="617550" cy="1049197"/>
           </a:xfrm>
           <a:prstGeom prst="rect">
             <a:avLst/>
@@ -4865,13 +4865,13 @@
           <a:lstStyle/>
           <a:p>
             <a:r>
-              <a:rPr lang="zh-CN" altLang="en-US" sz="877" spc="-1" dirty="0">
+              <a:rPr lang="zh-CN" altLang="en-US" sz="900" spc="-1" dirty="0">
                 <a:latin typeface="Arial"/>
               </a:rPr>
               <a:t>注</a:t>
             </a:r>
             <a:r>
-              <a:rPr lang="en-US" sz="877" spc="-1" dirty="0">
+              <a:rPr lang="en-US" sz="900" spc="-1" dirty="0">
                 <a:latin typeface="Arial"/>
               </a:rPr>
               <a:t>：</a:t>
@@ -4879,67 +4879,67 @@
           </a:p>
           <a:p>
             <a:r>
-              <a:rPr lang="en-US" sz="877" spc="-1" dirty="0" err="1">
+              <a:rPr lang="en-US" sz="900" spc="-1" dirty="0" err="1">
                 <a:latin typeface="Arial"/>
               </a:rPr>
               <a:t>广东万和</a:t>
             </a:r>
-            <a:endParaRPr lang="en-US" sz="877" spc="-1" dirty="0">
+            <a:endParaRPr lang="en-US" sz="900" spc="-1" dirty="0">
               <a:latin typeface="Arial"/>
             </a:endParaRPr>
           </a:p>
           <a:p>
             <a:r>
-              <a:rPr lang="en-US" sz="877" spc="-1" dirty="0" err="1">
+              <a:rPr lang="en-US" sz="900" spc="-1" dirty="0" err="1">
                 <a:latin typeface="Arial"/>
               </a:rPr>
               <a:t>集团与团</a:t>
             </a:r>
-            <a:endParaRPr lang="en-US" sz="877" spc="-1" dirty="0">
+            <a:endParaRPr lang="en-US" sz="900" spc="-1" dirty="0">
               <a:latin typeface="Arial"/>
             </a:endParaRPr>
           </a:p>
           <a:p>
             <a:r>
-              <a:rPr lang="en-US" sz="877" spc="-1" dirty="0" err="1">
+              <a:rPr lang="en-US" sz="900" spc="-1" dirty="0" err="1">
                 <a:latin typeface="Arial"/>
               </a:rPr>
               <a:t>贷网及其</a:t>
             </a:r>
-            <a:endParaRPr lang="en-US" sz="877" spc="-1" dirty="0">
+            <a:endParaRPr lang="en-US" sz="900" spc="-1" dirty="0">
               <a:latin typeface="Arial"/>
             </a:endParaRPr>
           </a:p>
           <a:p>
             <a:r>
-              <a:rPr lang="en-US" sz="877" spc="-1" dirty="0" err="1">
+              <a:rPr lang="en-US" sz="900" spc="-1" dirty="0" err="1">
                 <a:latin typeface="Arial"/>
               </a:rPr>
               <a:t>相关资产</a:t>
             </a:r>
-            <a:endParaRPr lang="en-US" sz="877" spc="-1" dirty="0">
+            <a:endParaRPr lang="en-US" sz="900" spc="-1" dirty="0">
               <a:latin typeface="Arial"/>
             </a:endParaRPr>
           </a:p>
           <a:p>
             <a:r>
-              <a:rPr lang="en-US" sz="877" spc="-1" dirty="0" err="1">
+              <a:rPr lang="en-US" sz="900" spc="-1" dirty="0" err="1">
                 <a:latin typeface="Arial"/>
               </a:rPr>
               <a:t>端的股权</a:t>
             </a:r>
-            <a:endParaRPr lang="en-US" sz="877" spc="-1" dirty="0">
+            <a:endParaRPr lang="en-US" sz="900" spc="-1" dirty="0">
               <a:latin typeface="Arial"/>
             </a:endParaRPr>
           </a:p>
           <a:p>
             <a:r>
-              <a:rPr lang="en-US" sz="877" spc="-1" dirty="0" err="1">
+              <a:rPr lang="en-US" sz="900" spc="-1" dirty="0" err="1">
                 <a:latin typeface="Arial"/>
               </a:rPr>
               <a:t>关系图</a:t>
             </a:r>
-            <a:endParaRPr lang="en-US" sz="877" spc="-1" dirty="0">
+            <a:endParaRPr lang="en-US" sz="900" spc="-1" dirty="0">
               <a:latin typeface="Arial"/>
             </a:endParaRPr>
           </a:p>
@@ -4953,7 +4953,7 @@
         </p:nvSpPr>
         <p:spPr>
           <a:xfrm>
-            <a:off x="4661173" y="4075804"/>
+            <a:off x="4661173" y="4034606"/>
             <a:ext cx="820874" cy="694586"/>
           </a:xfrm>
           <a:custGeom>
@@ -5896,10 +5896,10 @@
       </p:grpSp>
       <p:grpSp>
         <p:nvGrpSpPr>
-          <p:cNvPr id="3" name="Group 2">
+          <p:cNvPr id="2" name="Group 1">
             <a:extLst>
               <a:ext uri="{FF2B5EF4-FFF2-40B4-BE49-F238E27FC236}">
-                <a16:creationId xmlns:a16="http://schemas.microsoft.com/office/drawing/2014/main" id="{9D3B15FA-B750-4916-9DC0-1AE9E889F3CE}"/>
+                <a16:creationId xmlns:a16="http://schemas.microsoft.com/office/drawing/2014/main" id="{9602728D-BF9D-4D23-8442-F5AE89356E83}"/>
               </a:ext>
             </a:extLst>
           </p:cNvPr>
@@ -5908,46 +5908,12 @@
         </p:nvGrpSpPr>
         <p:grpSpPr>
           <a:xfrm>
-            <a:off x="3732954" y="4334924"/>
-            <a:ext cx="1306453" cy="221406"/>
-            <a:chOff x="3549600" y="4388685"/>
-            <a:chExt cx="1489680" cy="252457"/>
+            <a:off x="3732955" y="4334924"/>
+            <a:ext cx="974507" cy="221406"/>
+            <a:chOff x="3732955" y="4334924"/>
+            <a:chExt cx="974507" cy="221406"/>
           </a:xfrm>
         </p:grpSpPr>
-        <p:sp>
-          <p:nvSpPr>
-            <p:cNvPr id="51" name="Line 11"/>
-            <p:cNvSpPr/>
-            <p:nvPr/>
-          </p:nvSpPr>
-          <p:spPr>
-            <a:xfrm>
-              <a:off x="4900320" y="4515021"/>
-              <a:ext cx="138960" cy="0"/>
-            </a:xfrm>
-            <a:prstGeom prst="line">
-              <a:avLst/>
-            </a:prstGeom>
-            <a:ln>
-              <a:solidFill>
-                <a:srgbClr val="FF3838"/>
-              </a:solidFill>
-              <a:tailEnd type="oval" w="med" len="med"/>
-            </a:ln>
-          </p:spPr>
-          <p:style>
-            <a:lnRef idx="0">
-              <a:scrgbClr r="0" g="0" b="0"/>
-            </a:lnRef>
-            <a:fillRef idx="0">
-              <a:scrgbClr r="0" g="0" b="0"/>
-            </a:fillRef>
-            <a:effectRef idx="0">
-              <a:scrgbClr r="0" g="0" b="0"/>
-            </a:effectRef>
-            <a:fontRef idx="minor"/>
-          </p:style>
-        </p:sp>
         <p:sp>
           <p:nvSpPr>
             <p:cNvPr id="69" name="Line 29"/>
@@ -5955,9 +5921,9 @@
             <p:nvPr/>
           </p:nvSpPr>
           <p:spPr>
-            <a:xfrm>
-              <a:off x="3549600" y="4518035"/>
-              <a:ext cx="555480" cy="0"/>
+            <a:xfrm flipV="1">
+              <a:off x="3732955" y="4448365"/>
+              <a:ext cx="270633" cy="0"/>
             </a:xfrm>
             <a:prstGeom prst="line">
               <a:avLst/>
@@ -5995,8 +5961,8 @@
           </p:nvSpPr>
           <p:spPr>
             <a:xfrm>
-              <a:off x="3676679" y="4388685"/>
-              <a:ext cx="1228320" cy="252457"/>
+              <a:off x="4072352" y="4334924"/>
+              <a:ext cx="635110" cy="221406"/>
             </a:xfrm>
             <a:prstGeom prst="rect">
               <a:avLst/>
@@ -6007,7 +5973,7 @@
             </a:ln>
           </p:spPr>
           <p:txBody>
-            <a:bodyPr lIns="78930" tIns="39465" rIns="78930" bIns="39465">
+            <a:bodyPr wrap="square" lIns="78930" tIns="39465" rIns="78930" bIns="39465">
               <a:spAutoFit/>
             </a:bodyPr>
             <a:lstStyle/>
@@ -6875,10 +6841,10 @@
       </p:grpSp>
       <p:grpSp>
         <p:nvGrpSpPr>
-          <p:cNvPr id="14" name="Group 13">
+          <p:cNvPr id="20" name="Group 19">
             <a:extLst>
               <a:ext uri="{FF2B5EF4-FFF2-40B4-BE49-F238E27FC236}">
-                <a16:creationId xmlns:a16="http://schemas.microsoft.com/office/drawing/2014/main" id="{4D8637CF-2653-472D-A3E4-AE70F7650151}"/>
+                <a16:creationId xmlns:a16="http://schemas.microsoft.com/office/drawing/2014/main" id="{CD29B1F2-1896-40CD-9179-29EA6EA1C9FD}"/>
               </a:ext>
             </a:extLst>
           </p:cNvPr>
@@ -6887,46 +6853,12 @@
         </p:nvGrpSpPr>
         <p:grpSpPr>
           <a:xfrm>
-            <a:off x="5040354" y="4277734"/>
-            <a:ext cx="1326343" cy="221406"/>
-            <a:chOff x="5040354" y="3997642"/>
-            <a:chExt cx="1326343" cy="221406"/>
+            <a:off x="5346176" y="4277734"/>
+            <a:ext cx="1020521" cy="221406"/>
+            <a:chOff x="5346176" y="4277734"/>
+            <a:chExt cx="1020521" cy="221406"/>
           </a:xfrm>
         </p:grpSpPr>
-        <p:sp>
-          <p:nvSpPr>
-            <p:cNvPr id="57" name="Line 17"/>
-            <p:cNvSpPr/>
-            <p:nvPr/>
-          </p:nvSpPr>
-          <p:spPr>
-            <a:xfrm flipH="1">
-              <a:off x="5040354" y="4104370"/>
-              <a:ext cx="125973" cy="0"/>
-            </a:xfrm>
-            <a:prstGeom prst="line">
-              <a:avLst/>
-            </a:prstGeom>
-            <a:ln>
-              <a:solidFill>
-                <a:srgbClr val="FF3838"/>
-              </a:solidFill>
-              <a:tailEnd type="oval" w="med" len="med"/>
-            </a:ln>
-          </p:spPr>
-          <p:style>
-            <a:lnRef idx="0">
-              <a:scrgbClr r="0" g="0" b="0"/>
-            </a:lnRef>
-            <a:fillRef idx="0">
-              <a:scrgbClr r="0" g="0" b="0"/>
-            </a:fillRef>
-            <a:effectRef idx="0">
-              <a:scrgbClr r="0" g="0" b="0"/>
-            </a:effectRef>
-            <a:fontRef idx="minor"/>
-          </p:style>
-        </p:sp>
         <p:sp>
           <p:nvSpPr>
             <p:cNvPr id="75" name="Line 35"/>
@@ -6935,8 +6867,8 @@
           </p:nvSpPr>
           <p:spPr>
             <a:xfrm>
-              <a:off x="5879540" y="4104370"/>
-              <a:ext cx="487157" cy="0"/>
+              <a:off x="6005384" y="4384462"/>
+              <a:ext cx="361313" cy="0"/>
             </a:xfrm>
             <a:prstGeom prst="line">
               <a:avLst/>
@@ -6974,8 +6906,8 @@
           </p:nvSpPr>
           <p:spPr>
             <a:xfrm>
-              <a:off x="5197899" y="3997642"/>
-              <a:ext cx="1099024" cy="221406"/>
+              <a:off x="5346176" y="4277734"/>
+              <a:ext cx="599867" cy="221406"/>
             </a:xfrm>
             <a:prstGeom prst="rect">
               <a:avLst/>
@@ -6986,7 +6918,7 @@
             </a:ln>
           </p:spPr>
           <p:txBody>
-            <a:bodyPr lIns="78930" tIns="39465" rIns="78930" bIns="39465">
+            <a:bodyPr wrap="square" lIns="78930" tIns="39465" rIns="78930" bIns="39465">
               <a:spAutoFit/>
             </a:bodyPr>
             <a:lstStyle/>

--- a/doc/团贷网事件时间表.pptx
+++ b/doc/团贷网事件时间表.pptx
@@ -3336,13 +3336,22 @@
             </a:r>
             <a:r>
               <a:rPr lang="en-US" altLang="zh-CN" sz="789" spc="-1" dirty="0"/>
-              <a:t>;</a:t>
-            </a:r>
-          </a:p>
-          <a:p>
+              <a:t>; </a:t>
+            </a:r>
             <a:r>
               <a:rPr lang="zh-CN" altLang="en-US" sz="789" spc="-1" dirty="0"/>
-              <a:t>只字未提涉案相关方，只在</a:t>
+              <a:t>只字未提</a:t>
+            </a:r>
+            <a:endParaRPr lang="en-US" altLang="zh-CN" sz="789" spc="-1"/>
+          </a:p>
+          <a:p>
+            <a:r>
+              <a:rPr lang="zh-CN" altLang="en-US" sz="789" spc="-1"/>
+              <a:t>涉</a:t>
+            </a:r>
+            <a:r>
+              <a:rPr lang="zh-CN" altLang="en-US" sz="789" spc="-1" dirty="0"/>
+              <a:t>案相关方，只在</a:t>
             </a:r>
             <a:r>
               <a:rPr lang="en-US" altLang="zh-CN" sz="789" spc="-1" dirty="0"/>
